--- a/Week 3/Challenge/MCR2_MiniChallenge_3.pptx
+++ b/Week 3/Challenge/MCR2_MiniChallenge_3.pptx
@@ -354,7 +354,7 @@
           <a:p>
             <a:fld id="{28E8D346-A915-4882-A510-80C55F2B0290}" type="datetimeFigureOut">
               <a:rPr lang="en-GB" smtClean="0"/>
-              <a:t>18/08/2023</a:t>
+              <a:t>23/08/2023</a:t>
             </a:fld>
             <a:endParaRPr lang="en-GB"/>
           </a:p>
@@ -3367,7 +3367,7 @@
           <a:p>
             <a:fld id="{28E8D346-A915-4882-A510-80C55F2B0290}" type="datetimeFigureOut">
               <a:rPr lang="en-GB" smtClean="0"/>
-              <a:t>18/08/2023</a:t>
+              <a:t>23/08/2023</a:t>
             </a:fld>
             <a:endParaRPr lang="en-GB"/>
           </a:p>
@@ -3848,7 +3848,7 @@
           <a:p>
             <a:fld id="{28E8D346-A915-4882-A510-80C55F2B0290}" type="datetimeFigureOut">
               <a:rPr lang="en-GB" smtClean="0"/>
-              <a:t>18/08/2023</a:t>
+              <a:t>23/08/2023</a:t>
             </a:fld>
             <a:endParaRPr lang="en-GB"/>
           </a:p>
@@ -4171,7 +4171,7 @@
           <a:p>
             <a:fld id="{28E8D346-A915-4882-A510-80C55F2B0290}" type="datetimeFigureOut">
               <a:rPr lang="en-GB" smtClean="0"/>
-              <a:t>18/08/2023</a:t>
+              <a:t>23/08/2023</a:t>
             </a:fld>
             <a:endParaRPr lang="en-GB"/>
           </a:p>
@@ -4664,7 +4664,7 @@
           <a:p>
             <a:fld id="{28E8D346-A915-4882-A510-80C55F2B0290}" type="datetimeFigureOut">
               <a:rPr lang="en-GB" smtClean="0"/>
-              <a:t>18/08/2023</a:t>
+              <a:t>23/08/2023</a:t>
             </a:fld>
             <a:endParaRPr lang="en-GB"/>
           </a:p>
@@ -5186,7 +5186,7 @@
           <a:p>
             <a:fld id="{28E8D346-A915-4882-A510-80C55F2B0290}" type="datetimeFigureOut">
               <a:rPr lang="en-GB" smtClean="0"/>
-              <a:t>18/08/2023</a:t>
+              <a:t>23/08/2023</a:t>
             </a:fld>
             <a:endParaRPr lang="en-GB"/>
           </a:p>
@@ -5681,7 +5681,7 @@
           <a:p>
             <a:fld id="{28E8D346-A915-4882-A510-80C55F2B0290}" type="datetimeFigureOut">
               <a:rPr lang="en-GB" smtClean="0"/>
-              <a:t>18/08/2023</a:t>
+              <a:t>23/08/2023</a:t>
             </a:fld>
             <a:endParaRPr lang="en-GB"/>
           </a:p>
@@ -6288,7 +6288,7 @@
           <a:p>
             <a:fld id="{28E8D346-A915-4882-A510-80C55F2B0290}" type="datetimeFigureOut">
               <a:rPr lang="en-GB" smtClean="0"/>
-              <a:t>18/08/2023</a:t>
+              <a:t>23/08/2023</a:t>
             </a:fld>
             <a:endParaRPr lang="en-GB"/>
           </a:p>
@@ -6783,7 +6783,7 @@
           <a:p>
             <a:fld id="{28E8D346-A915-4882-A510-80C55F2B0290}" type="datetimeFigureOut">
               <a:rPr lang="en-GB" smtClean="0"/>
-              <a:t>18/08/2023</a:t>
+              <a:t>23/08/2023</a:t>
             </a:fld>
             <a:endParaRPr lang="en-GB"/>
           </a:p>
@@ -7546,7 +7546,7 @@
           <a:p>
             <a:fld id="{28E8D346-A915-4882-A510-80C55F2B0290}" type="datetimeFigureOut">
               <a:rPr lang="en-GB" smtClean="0"/>
-              <a:t>18/08/2023</a:t>
+              <a:t>23/08/2023</a:t>
             </a:fld>
             <a:endParaRPr lang="en-GB"/>
           </a:p>
@@ -8197,7 +8197,7 @@
           <a:p>
             <a:fld id="{28E8D346-A915-4882-A510-80C55F2B0290}" type="datetimeFigureOut">
               <a:rPr lang="en-GB" smtClean="0"/>
-              <a:t>18/08/2023</a:t>
+              <a:t>23/08/2023</a:t>
             </a:fld>
             <a:endParaRPr lang="en-GB"/>
           </a:p>
@@ -8576,7 +8576,7 @@
           <a:p>
             <a:fld id="{28E8D346-A915-4882-A510-80C55F2B0290}" type="datetimeFigureOut">
               <a:rPr lang="en-GB" smtClean="0"/>
-              <a:t>18/08/2023</a:t>
+              <a:t>23/08/2023</a:t>
             </a:fld>
             <a:endParaRPr lang="en-GB"/>
           </a:p>
@@ -8843,7 +8843,7 @@
           <a:p>
             <a:fld id="{28E8D346-A915-4882-A510-80C55F2B0290}" type="datetimeFigureOut">
               <a:rPr lang="en-GB" smtClean="0"/>
-              <a:t>18/08/2023</a:t>
+              <a:t>23/08/2023</a:t>
             </a:fld>
             <a:endParaRPr lang="en-GB"/>
           </a:p>
@@ -9416,7 +9416,7 @@
           <a:p>
             <a:fld id="{28E8D346-A915-4882-A510-80C55F2B0290}" type="datetimeFigureOut">
               <a:rPr lang="en-GB" smtClean="0"/>
-              <a:t>18/08/2023</a:t>
+              <a:t>23/08/2023</a:t>
             </a:fld>
             <a:endParaRPr lang="en-GB"/>
           </a:p>
@@ -9660,7 +9660,7 @@
           <a:p>
             <a:fld id="{28E8D346-A915-4882-A510-80C55F2B0290}" type="datetimeFigureOut">
               <a:rPr lang="en-GB" smtClean="0"/>
-              <a:t>18/08/2023</a:t>
+              <a:t>23/08/2023</a:t>
             </a:fld>
             <a:endParaRPr lang="en-GB"/>
           </a:p>
@@ -9846,7 +9846,7 @@
           <a:p>
             <a:fld id="{28E8D346-A915-4882-A510-80C55F2B0290}" type="datetimeFigureOut">
               <a:rPr lang="en-GB" smtClean="0"/>
-              <a:t>18/08/2023</a:t>
+              <a:t>23/08/2023</a:t>
             </a:fld>
             <a:endParaRPr lang="en-GB"/>
           </a:p>
@@ -10144,7 +10144,7 @@
           <a:p>
             <a:fld id="{28E8D346-A915-4882-A510-80C55F2B0290}" type="datetimeFigureOut">
               <a:rPr lang="en-GB" smtClean="0"/>
-              <a:t>18/08/2023</a:t>
+              <a:t>23/08/2023</a:t>
             </a:fld>
             <a:endParaRPr lang="en-GB"/>
           </a:p>
@@ -10579,7 +10579,7 @@
           <a:p>
             <a:fld id="{28E8D346-A915-4882-A510-80C55F2B0290}" type="datetimeFigureOut">
               <a:rPr lang="en-GB" smtClean="0"/>
-              <a:t>18/08/2023</a:t>
+              <a:t>23/08/2023</a:t>
             </a:fld>
             <a:endParaRPr lang="en-GB"/>
           </a:p>
@@ -11052,7 +11052,7 @@
           <a:p>
             <a:fld id="{28E8D346-A915-4882-A510-80C55F2B0290}" type="datetimeFigureOut">
               <a:rPr lang="en-GB" smtClean="0"/>
-              <a:t>18/08/2023</a:t>
+              <a:t>23/08/2023</a:t>
             </a:fld>
             <a:endParaRPr lang="en-GB"/>
           </a:p>
@@ -11508,7 +11508,7 @@
           <a:p>
             <a:fld id="{28E8D346-A915-4882-A510-80C55F2B0290}" type="datetimeFigureOut">
               <a:rPr lang="en-GB" smtClean="0"/>
-              <a:t>18/08/2023</a:t>
+              <a:t>23/08/2023</a:t>
             </a:fld>
             <a:endParaRPr lang="en-GB"/>
           </a:p>
@@ -11732,7 +11732,7 @@
           <a:p>
             <a:fld id="{28E8D346-A915-4882-A510-80C55F2B0290}" type="datetimeFigureOut">
               <a:rPr lang="en-GB" smtClean="0"/>
-              <a:t>18/08/2023</a:t>
+              <a:t>23/08/2023</a:t>
             </a:fld>
             <a:endParaRPr lang="en-GB"/>
           </a:p>
@@ -11958,7 +11958,7 @@
           <a:p>
             <a:fld id="{28E8D346-A915-4882-A510-80C55F2B0290}" type="datetimeFigureOut">
               <a:rPr lang="en-GB" smtClean="0"/>
-              <a:t>18/08/2023</a:t>
+              <a:t>23/08/2023</a:t>
             </a:fld>
             <a:endParaRPr lang="en-GB"/>
           </a:p>
@@ -12184,7 +12184,7 @@
           <a:p>
             <a:fld id="{28E8D346-A915-4882-A510-80C55F2B0290}" type="datetimeFigureOut">
               <a:rPr lang="en-GB" smtClean="0"/>
-              <a:t>18/08/2023</a:t>
+              <a:t>23/08/2023</a:t>
             </a:fld>
             <a:endParaRPr lang="en-GB"/>
           </a:p>
@@ -12332,7 +12332,7 @@
           <a:p>
             <a:fld id="{28E8D346-A915-4882-A510-80C55F2B0290}" type="datetimeFigureOut">
               <a:rPr lang="en-GB" smtClean="0"/>
-              <a:t>18/08/2023</a:t>
+              <a:t>23/08/2023</a:t>
             </a:fld>
             <a:endParaRPr lang="en-GB"/>
           </a:p>
@@ -12726,7 +12726,7 @@
           <a:p>
             <a:fld id="{28E8D346-A915-4882-A510-80C55F2B0290}" type="datetimeFigureOut">
               <a:rPr lang="en-GB" smtClean="0"/>
-              <a:t>18/08/2023</a:t>
+              <a:t>23/08/2023</a:t>
             </a:fld>
             <a:endParaRPr lang="en-GB"/>
           </a:p>
@@ -13283,7 +13283,7 @@
           <a:p>
             <a:fld id="{28E8D346-A915-4882-A510-80C55F2B0290}" type="datetimeFigureOut">
               <a:rPr lang="en-GB" smtClean="0"/>
-              <a:t>18/08/2023</a:t>
+              <a:t>23/08/2023</a:t>
             </a:fld>
             <a:endParaRPr lang="en-GB"/>
           </a:p>
@@ -13789,7 +13789,7 @@
           <a:p>
             <a:fld id="{28E8D346-A915-4882-A510-80C55F2B0290}" type="datetimeFigureOut">
               <a:rPr lang="en-GB" smtClean="0"/>
-              <a:t>18/08/2023</a:t>
+              <a:t>23/08/2023</a:t>
             </a:fld>
             <a:endParaRPr lang="en-GB"/>
           </a:p>
@@ -14187,7 +14187,7 @@
           <a:p>
             <a:fld id="{28E8D346-A915-4882-A510-80C55F2B0290}" type="datetimeFigureOut">
               <a:rPr lang="en-GB" smtClean="0"/>
-              <a:t>18/08/2023</a:t>
+              <a:t>23/08/2023</a:t>
             </a:fld>
             <a:endParaRPr lang="en-GB"/>
           </a:p>
@@ -15053,7 +15053,7 @@
           <a:p>
             <a:fld id="{9D27316D-C409-4712-90E5-1C58F0743890}" type="datetimeFigureOut">
               <a:rPr lang="en-GB" smtClean="0"/>
-              <a:t>18/08/2023</a:t>
+              <a:t>23/08/2023</a:t>
             </a:fld>
             <a:endParaRPr lang="en-GB"/>
           </a:p>
@@ -17501,15 +17501,23 @@
           <p:nvPr/>
         </p:nvPicPr>
         <p:blipFill>
-          <a:blip r:embed="rId2"/>
-          <a:stretch>
-            <a:fillRect/>
-          </a:stretch>
+          <a:blip r:embed="rId2">
+            <a:extLst>
+              <a:ext uri="{28A0092B-C50C-407E-A947-70E740481C1C}">
+                <a14:useLocalDpi xmlns:a14="http://schemas.microsoft.com/office/drawing/2010/main" val="0"/>
+              </a:ext>
+              <a:ext uri="{96DAC541-7B7A-43D3-8B79-37D633B846F1}">
+                <asvg:svgBlip xmlns:asvg="http://schemas.microsoft.com/office/drawing/2016/SVG/main" r:embed="rId3"/>
+              </a:ext>
+            </a:extLst>
+          </a:blip>
+          <a:srcRect/>
+          <a:stretch/>
         </p:blipFill>
         <p:spPr>
           <a:xfrm>
-            <a:off x="343398" y="1446302"/>
-            <a:ext cx="11254191" cy="5243014"/>
+            <a:off x="343398" y="1451661"/>
+            <a:ext cx="11254191" cy="5232295"/>
           </a:xfrm>
           <a:prstGeom prst="rect">
             <a:avLst/>

--- a/Week 3/Challenge/MCR2_MiniChallenge_3.pptx
+++ b/Week 3/Challenge/MCR2_MiniChallenge_3.pptx
@@ -17488,10 +17488,10 @@
       </p:sp>
       <p:pic>
         <p:nvPicPr>
-          <p:cNvPr id="37" name="Picture 36">
-            <a:extLst>
-              <a:ext uri="{FF2B5EF4-FFF2-40B4-BE49-F238E27FC236}">
-                <a16:creationId xmlns:a16="http://schemas.microsoft.com/office/drawing/2014/main" id="{4D5C7D84-39BC-BF93-C3AB-58FDA6786ED6}"/>
+          <p:cNvPr id="2" name="Picture 1">
+            <a:extLst>
+              <a:ext uri="{FF2B5EF4-FFF2-40B4-BE49-F238E27FC236}">
+                <a16:creationId xmlns:a16="http://schemas.microsoft.com/office/drawing/2014/main" id="{004E4CE5-57DD-A52F-C5FF-CC18431944E6}"/>
               </a:ext>
             </a:extLst>
           </p:cNvPr>
@@ -17501,23 +17501,15 @@
           <p:nvPr/>
         </p:nvPicPr>
         <p:blipFill>
-          <a:blip r:embed="rId2">
-            <a:extLst>
-              <a:ext uri="{28A0092B-C50C-407E-A947-70E740481C1C}">
-                <a14:useLocalDpi xmlns:a14="http://schemas.microsoft.com/office/drawing/2010/main" val="0"/>
-              </a:ext>
-              <a:ext uri="{96DAC541-7B7A-43D3-8B79-37D633B846F1}">
-                <asvg:svgBlip xmlns:asvg="http://schemas.microsoft.com/office/drawing/2016/SVG/main" r:embed="rId3"/>
-              </a:ext>
-            </a:extLst>
-          </a:blip>
-          <a:srcRect/>
-          <a:stretch/>
+          <a:blip r:embed="rId2"/>
+          <a:stretch>
+            <a:fillRect/>
+          </a:stretch>
         </p:blipFill>
         <p:spPr>
           <a:xfrm>
-            <a:off x="343398" y="1451661"/>
-            <a:ext cx="11254191" cy="5232295"/>
+            <a:off x="468904" y="807493"/>
+            <a:ext cx="11254191" cy="5243014"/>
           </a:xfrm>
           <a:prstGeom prst="rect">
             <a:avLst/>
